--- a/mitchs-web-server-lecture.pptx
+++ b/mitchs-web-server-lecture.pptx
@@ -5,7 +5,7 @@
     <p:sldMasterId id="2147483648" r:id="rId1"/>
   </p:sldMasterIdLst>
   <p:notesMasterIdLst>
-    <p:notesMasterId r:id="rId12"/>
+    <p:notesMasterId r:id="rId13"/>
   </p:notesMasterIdLst>
   <p:sldIdLst>
     <p:sldId id="256" r:id="rId2"/>
@@ -13,11 +13,12 @@
     <p:sldId id="258" r:id="rId4"/>
     <p:sldId id="260" r:id="rId5"/>
     <p:sldId id="261" r:id="rId6"/>
-    <p:sldId id="262" r:id="rId7"/>
-    <p:sldId id="263" r:id="rId8"/>
-    <p:sldId id="264" r:id="rId9"/>
-    <p:sldId id="265" r:id="rId10"/>
-    <p:sldId id="266" r:id="rId11"/>
+    <p:sldId id="267" r:id="rId7"/>
+    <p:sldId id="262" r:id="rId8"/>
+    <p:sldId id="263" r:id="rId9"/>
+    <p:sldId id="264" r:id="rId10"/>
+    <p:sldId id="265" r:id="rId11"/>
+    <p:sldId id="266" r:id="rId12"/>
   </p:sldIdLst>
   <p:sldSz cx="9144000" cy="6858000" type="screen4x3"/>
   <p:notesSz cx="6858000" cy="9144000"/>
@@ -146,6 +147,11 @@
       </a:defRPr>
     </a:lvl9pPr>
   </p:defaultTextStyle>
+  <p:extLst>
+    <p:ext uri="{EFAFB233-063F-42B5-8137-9DF3F51BA10A}">
+      <p15:sldGuideLst xmlns:p15="http://schemas.microsoft.com/office/powerpoint/2012/main"/>
+    </p:ext>
+  </p:extLst>
 </p:presentation>
 </file>
 
@@ -174,6 +180,90 @@
     </inkml:brush>
   </inkml:definitions>
   <inkml:trace contextRef="#ctx0" brushRef="#br0">1 1 24575,'0'0'-8191</inkml:trace>
+</inkml:ink>
+</file>
+
+<file path=ppt/ink/ink10.xml><?xml version="1.0" encoding="utf-8"?>
+<inkml:ink xmlns:inkml="http://www.w3.org/2003/InkML">
+  <inkml:definitions>
+    <inkml:context xml:id="ctx0">
+      <inkml:inkSource xml:id="inkSrc0">
+        <inkml:traceFormat>
+          <inkml:channel name="X" type="integer" min="-2.14748E9" max="2.14748E9" units="cm"/>
+          <inkml:channel name="Y" type="integer" min="-2.14748E9" max="2.14748E9" units="cm"/>
+          <inkml:channel name="F" type="integer" max="32767" units="dev"/>
+        </inkml:traceFormat>
+        <inkml:channelProperties>
+          <inkml:channelProperty channel="X" name="resolution" value="1000" units="1/cm"/>
+          <inkml:channelProperty channel="Y" name="resolution" value="1000" units="1/cm"/>
+          <inkml:channelProperty channel="F" name="resolution" value="0" units="1/dev"/>
+        </inkml:channelProperties>
+      </inkml:inkSource>
+      <inkml:timestamp xml:id="ts0" timeString="2023-02-28T18:38:28.948"/>
+    </inkml:context>
+    <inkml:brush xml:id="br0">
+      <inkml:brushProperty name="width" value="0.21167" units="cm"/>
+      <inkml:brushProperty name="height" value="0.21167" units="cm"/>
+      <inkml:brushProperty name="color" value="#E71224"/>
+    </inkml:brush>
+  </inkml:definitions>
+  <inkml:trace contextRef="#ctx0" brushRef="#br0">497 0 24575,'-9'8'0,"-1"-1"0,0 0 0,0 0 0,-1-1 0,-15 6 0,-24 16 0,2 6 0,2 3 0,1 2 0,3 1 0,1 3 0,2 1 0,-40 59 0,75-99 0,1 1 0,0 0 0,0-1 0,0 1 0,0 1 0,1-1 0,0 0 0,0 0 0,1 1 0,-1-1 0,1 1 0,0-1 0,1 1 0,-1 0 0,1-1 0,0 1 0,1 0 0,-1-1 0,1 1 0,0 0 0,1-1 0,-1 0 0,1 1 0,0-1 0,1 0 0,-1 0 0,1 0 0,0 0 0,0 0 0,0-1 0,1 1 0,0-1 0,0 0 0,6 6 0,27 27 0,-27-26 0,-1-1 0,1 0 0,1-1 0,0 0 0,0 0 0,0-1 0,1-1 0,15 7 0,67 30 0,-64-28 0,1-2 0,39 14 0,16-2 0,101 47 0,-85-33 0,-69-28 0,1 1 0,53 30 0,-67-34 120,-20-9-152,1 0 1,-1 0-1,1 0 1,-1 0-1,0 0 0,1 0 1,-1 0-1,1 0 1,-1 0-1,0 0 0,1-1 1,-1 1-1,0 0 1,1 0-1,-1 0 0,1-1 1,-1 1-1,0 0 1,1 0-1,-1-1 0,0 1 1,0 0-1,1 0 1,-1-1-1,0 1 0,0-1 1,1 1-1,-1 0 1,0-1-1,0 1 0,0 0 1,0-1-1,0 1 1,1-1-1,-1 1 1,0 0-1,0-1 0,0 1 1,0-1-1,0 1 1,0 0-1,0-1 0,-1 1 1,1-1-1,0 1 1,0-1-1,-1-11-6794</inkml:trace>
+</inkml:ink>
+</file>
+
+<file path=ppt/ink/ink11.xml><?xml version="1.0" encoding="utf-8"?>
+<inkml:ink xmlns:inkml="http://www.w3.org/2003/InkML">
+  <inkml:definitions>
+    <inkml:context xml:id="ctx0">
+      <inkml:inkSource xml:id="inkSrc0">
+        <inkml:traceFormat>
+          <inkml:channel name="X" type="integer" min="-2.14748E9" max="2.14748E9" units="cm"/>
+          <inkml:channel name="Y" type="integer" min="-2.14748E9" max="2.14748E9" units="cm"/>
+          <inkml:channel name="F" type="integer" max="32767" units="dev"/>
+        </inkml:traceFormat>
+        <inkml:channelProperties>
+          <inkml:channelProperty channel="X" name="resolution" value="1000" units="1/cm"/>
+          <inkml:channelProperty channel="Y" name="resolution" value="1000" units="1/cm"/>
+          <inkml:channelProperty channel="F" name="resolution" value="0" units="1/dev"/>
+        </inkml:channelProperties>
+      </inkml:inkSource>
+      <inkml:timestamp xml:id="ts0" timeString="2023-02-28T18:42:58.846"/>
+    </inkml:context>
+    <inkml:brush xml:id="br0">
+      <inkml:brushProperty name="width" value="0.21167" units="cm"/>
+      <inkml:brushProperty name="height" value="0.21167" units="cm"/>
+      <inkml:brushProperty name="color" value="#E71224"/>
+    </inkml:brush>
+  </inkml:definitions>
+  <inkml:trace contextRef="#ctx0" brushRef="#br0">8615 6944 24575,'-400'39'0,"302"-33"0,39-2 0,-411 13 0,195-47 0,172 15 0,-546-63-379,-33-4-28,630 75 560,0-3 0,0-1-1,1-3 1,-68-27 0,-470-202-1066,-11 29-6,-73 25 736,267 79 99,-134-67 321,14-23 131,257 95-294,-710-265-496,899 340 765,-91-50 0,133 58-183,0-1 0,1-2 0,2-2 0,-36-33 0,-235-279 203,192 204-348,105 125-15,0-1 0,2 1 0,-1-2 0,1 1 0,1-1 0,0 0 0,1 0 0,0 0 0,1-1 0,0 0 0,1 0 0,0 0 0,1 0 0,1 0 0,0-1 0,1-17 0,0-38 0,8-352 0,-4 381 0,1 0 0,2 0 0,2 1 0,2 0 0,26-64 0,-13 52 0,2 0 0,2 2 0,52-68 0,137-178 0,109-146 0,27 19 0,-296 364 0,2 2 0,89-63 0,144-79 0,-134 94 0,-31 17 0,270-170 0,-333 221 0,2 3 0,1 3 0,1 3 0,101-26 0,-10 25 0,-105 21 0,0-2 0,54-18 0,-89 22 0,-1 1 0,1 1 0,0 1 0,0 1 0,-1 1 0,31 3 0,-24-2 0,-1 0 0,46-6 0,-70 5 0,1 0 0,-1 0 0,1 0 0,-1 0 0,0 0 0,1 0 0,-1 0 0,1-1 0,-1 1 0,0 0 0,1 0 0,-1 0 0,0-1 0,1 1 0,-1 0 0,0 0 0,0-1 0,1 1 0,-1 0 0,0-1 0,0 1 0,1 0 0,-1-1 0,0 1 0,0-1 0,0 1 0,0 0 0,1-1 0,-1 1 0,0-1 0,0 1 0,0 0 0,0-1 0,0 1 0,0-1 0,0 1 0,0 0 0,0-1 0,0 1 0,-1-1 0,1 1 0,0 0 0,0-1 0,0 1 0,0-1 0,-1 1 0,1 0 0,0-1 0,0 1 0,0 0 0,-1-1 0,1 1 0,0 0 0,-1 0 0,1-1 0,0 1 0,-1 0 0,0-1 0,-22-21 0,21 19 0,-95-77 0,-58-58 0,78 52 0,-113-167 0,170 227 0,-2 1 0,-1 0 0,-30-26 0,16 17 0,34 32 10,0-1 0,0 1 0,0-1 0,0 1 0,0 0 0,0 0 0,-1 0 0,1 1 0,-1-1 0,1 1 0,-6-2 0,7 3-78,0 0 1,0 0-1,0 0 1,-1 0-1,1 0 1,0 0-1,0 1 1,0-1-1,0 1 1,0-1-1,0 1 1,0 0-1,0 0 1,0 0-1,0 0 1,0 0-1,0 0 1,1 0-1,-1 1 1,0-1-1,-1 3 1,-8 8-6759</inkml:trace>
+</inkml:ink>
+</file>
+
+<file path=ppt/ink/ink12.xml><?xml version="1.0" encoding="utf-8"?>
+<inkml:ink xmlns:inkml="http://www.w3.org/2003/InkML">
+  <inkml:definitions>
+    <inkml:context xml:id="ctx0">
+      <inkml:inkSource xml:id="inkSrc0">
+        <inkml:traceFormat>
+          <inkml:channel name="X" type="integer" min="-2.14748E9" max="2.14748E9" units="cm"/>
+          <inkml:channel name="Y" type="integer" min="-2.14748E9" max="2.14748E9" units="cm"/>
+          <inkml:channel name="F" type="integer" max="32767" units="dev"/>
+        </inkml:traceFormat>
+        <inkml:channelProperties>
+          <inkml:channelProperty channel="X" name="resolution" value="1000" units="1/cm"/>
+          <inkml:channelProperty channel="Y" name="resolution" value="1000" units="1/cm"/>
+          <inkml:channelProperty channel="F" name="resolution" value="0" units="1/dev"/>
+        </inkml:channelProperties>
+      </inkml:inkSource>
+      <inkml:timestamp xml:id="ts0" timeString="2023-02-28T18:43:03.612"/>
+    </inkml:context>
+    <inkml:brush xml:id="br0">
+      <inkml:brushProperty name="width" value="0.21167" units="cm"/>
+      <inkml:brushProperty name="height" value="0.21167" units="cm"/>
+      <inkml:brushProperty name="color" value="#E71224"/>
+    </inkml:brush>
+  </inkml:definitions>
+  <inkml:trace contextRef="#ctx0" brushRef="#br0">1144 0 24575,'-3'0'0,"0"1"0,0 0 0,0-1 0,0 1 0,0 0 0,0 0 0,1 1 0,-1-1 0,0 1 0,0-1 0,1 1 0,-1 0 0,1 0 0,0 0 0,-4 3 0,-34 43 0,18-19 0,-110 123 0,122-140 0,2 1 0,0 0 0,-7 16 0,8-15 0,-1-1 0,0 0 0,-11 15 0,4-11 0,0 0 0,-2 0 0,-24 19 0,30-27 0,0 1 0,-14 17 0,-13 12 0,28-29 0,1-1 0,0 2 0,0 0 0,1 0 0,-10 19 0,9-16 0,0 0 0,0-1 0,-15 16 0,-9 6 0,-24 24 0,-155 117 0,120-111 0,64-47 0,2 1 0,-27 24 0,52-42-2,1-1 0,0 0-1,-1 1 1,1-1 0,-1 1-1,1-1 1,0 1 0,-1-1-1,1 0 1,-1 1 0,1-1-1,-1 0 1,1 0 0,-1 1-1,0-1 1,1 0 0,-1 0-1,1 0 1,-1 0-1,1 1 1,-1-1 0,0 0-1,1 0 1,-1 0 0,1 0-1,-1-1 1,0 1 0,1 0-1,-1 0 1,1 0 0,-1 0-1,0-1 1,0 0 14,0 0-1,0-1 1,0 1-1,0 0 1,0 0 0,1-1-1,-1 1 1,0-1-1,1 1 1,0 0-1,-1-1 1,1-2 0,-4-55-787,4 51 111,0-39-6162</inkml:trace>
 </inkml:ink>
 </file>
 
@@ -317,6 +407,90 @@
 </inkml:ink>
 </file>
 
+<file path=ppt/ink/ink7.xml><?xml version="1.0" encoding="utf-8"?>
+<inkml:ink xmlns:inkml="http://www.w3.org/2003/InkML">
+  <inkml:definitions>
+    <inkml:context xml:id="ctx0">
+      <inkml:inkSource xml:id="inkSrc0">
+        <inkml:traceFormat>
+          <inkml:channel name="X" type="integer" min="-2.14748E9" max="2.14748E9" units="cm"/>
+          <inkml:channel name="Y" type="integer" min="-2.14748E9" max="2.14748E9" units="cm"/>
+          <inkml:channel name="F" type="integer" max="32767" units="dev"/>
+        </inkml:traceFormat>
+        <inkml:channelProperties>
+          <inkml:channelProperty channel="X" name="resolution" value="1000" units="1/cm"/>
+          <inkml:channelProperty channel="Y" name="resolution" value="1000" units="1/cm"/>
+          <inkml:channelProperty channel="F" name="resolution" value="0" units="1/dev"/>
+        </inkml:channelProperties>
+      </inkml:inkSource>
+      <inkml:timestamp xml:id="ts0" timeString="2023-02-28T18:38:36.485"/>
+    </inkml:context>
+    <inkml:brush xml:id="br0">
+      <inkml:brushProperty name="width" value="0.05" units="cm"/>
+      <inkml:brushProperty name="height" value="0.05" units="cm"/>
+      <inkml:brushProperty name="color" value="#E71224"/>
+    </inkml:brush>
+  </inkml:definitions>
+  <inkml:trace contextRef="#ctx0" brushRef="#br0">1 1 24575,'0'0'-8191</inkml:trace>
+</inkml:ink>
+</file>
+
+<file path=ppt/ink/ink8.xml><?xml version="1.0" encoding="utf-8"?>
+<inkml:ink xmlns:inkml="http://www.w3.org/2003/InkML">
+  <inkml:definitions>
+    <inkml:context xml:id="ctx0">
+      <inkml:inkSource xml:id="inkSrc0">
+        <inkml:traceFormat>
+          <inkml:channel name="X" type="integer" min="-2.14748E9" max="2.14748E9" units="cm"/>
+          <inkml:channel name="Y" type="integer" min="-2.14748E9" max="2.14748E9" units="cm"/>
+          <inkml:channel name="F" type="integer" max="32767" units="dev"/>
+        </inkml:traceFormat>
+        <inkml:channelProperties>
+          <inkml:channelProperty channel="X" name="resolution" value="1000" units="1/cm"/>
+          <inkml:channelProperty channel="Y" name="resolution" value="1000" units="1/cm"/>
+          <inkml:channelProperty channel="F" name="resolution" value="0" units="1/dev"/>
+        </inkml:channelProperties>
+      </inkml:inkSource>
+      <inkml:timestamp xml:id="ts0" timeString="2023-02-28T18:38:37.876"/>
+    </inkml:context>
+    <inkml:brush xml:id="br0">
+      <inkml:brushProperty name="width" value="0.05" units="cm"/>
+      <inkml:brushProperty name="height" value="0.05" units="cm"/>
+      <inkml:brushProperty name="color" value="#E71224"/>
+    </inkml:brush>
+  </inkml:definitions>
+  <inkml:trace contextRef="#ctx0" brushRef="#br0">1 0 24575,'0'0'-8191</inkml:trace>
+</inkml:ink>
+</file>
+
+<file path=ppt/ink/ink9.xml><?xml version="1.0" encoding="utf-8"?>
+<inkml:ink xmlns:inkml="http://www.w3.org/2003/InkML">
+  <inkml:definitions>
+    <inkml:context xml:id="ctx0">
+      <inkml:inkSource xml:id="inkSrc0">
+        <inkml:traceFormat>
+          <inkml:channel name="X" type="integer" min="-2.14748E9" max="2.14748E9" units="cm"/>
+          <inkml:channel name="Y" type="integer" min="-2.14748E9" max="2.14748E9" units="cm"/>
+          <inkml:channel name="F" type="integer" max="32767" units="dev"/>
+        </inkml:traceFormat>
+        <inkml:channelProperties>
+          <inkml:channelProperty channel="X" name="resolution" value="1000" units="1/cm"/>
+          <inkml:channelProperty channel="Y" name="resolution" value="1000" units="1/cm"/>
+          <inkml:channelProperty channel="F" name="resolution" value="0" units="1/dev"/>
+        </inkml:channelProperties>
+      </inkml:inkSource>
+      <inkml:timestamp xml:id="ts0" timeString="2023-02-28T18:38:27.411"/>
+    </inkml:context>
+    <inkml:brush xml:id="br0">
+      <inkml:brushProperty name="width" value="0.21167" units="cm"/>
+      <inkml:brushProperty name="height" value="0.21167" units="cm"/>
+      <inkml:brushProperty name="color" value="#E71224"/>
+    </inkml:brush>
+  </inkml:definitions>
+  <inkml:trace contextRef="#ctx0" brushRef="#br0">1532 1 24575,'107'40'0,"131"71"0,-93-40 0,735 314 0,-866-379 0,21 9 0,47 19 0,-2 2 0,149 94 0,-226-128 0,25 17 0,-1 0 0,-1 2 0,-1 1 0,-1 1 0,31 38 0,-45-47 0,19 24 0,-1 1 0,43 85 0,-67-113 0,0-1 0,-1 1 0,-1-1 0,0 1 0,0 0 0,0 14 0,-3 69 0,-1-43 0,-1-14 0,-2 0 0,-1-1 0,-2 1 0,-22 61 0,-164 350 0,143-340 0,14-34 0,-4-2 0,-57 77 0,-113 122 0,137-187 0,-91 79 0,121-124 0,-2-2 0,-2-2 0,-70 40 0,-167 63 0,174-81 0,-7 3 0,29-19 0,-37 14 0,-278 102 0,259-95 0,82-33 0,-10 5 0,-57 24 0,43-21 0,48-20 0,0-1 0,-66 17 0,-315 53 0,367-80 0,-1-3 0,-63-3 0,93 0 0,21 0-101,1 0 11,1 0-1,0 0 1,-1 0 0,1 0-1,0 0 1,0 0 0,-1 0 0,1 0-1,0 1 1,0-1 0,0 1 0,-1-1-1,-1 1 1</inkml:trace>
+</inkml:ink>
+</file>
+
 <file path=ppt/notesMasters/notesMaster1.xml><?xml version="1.0" encoding="utf-8"?>
 <p:notesMaster xmlns:a="http://schemas.openxmlformats.org/drawingml/2006/main" xmlns:r="http://schemas.openxmlformats.org/officeDocument/2006/relationships" xmlns:p="http://schemas.openxmlformats.org/presentationml/2006/main">
   <p:cSld>
@@ -426,7 +600,7 @@
             </a:extLst>
           </p:cNvPr>
           <p:cNvSpPr>
-            <a:spLocks noChangeArrowheads="1"/>
+            <a:spLocks noGrp="1" noRot="1" noChangeAspect="1" noChangeArrowheads="1"/>
           </p:cNvSpPr>
           <p:nvPr>
             <p:ph type="sldImg" idx="2"/>
@@ -1408,7 +1582,7 @@
                 <a:effectLst/>
                 <a:latin typeface="Consolas" panose="020B0609020204030204" pitchFamily="49" charset="0"/>
               </a:rPr>
-              <a:t>and c), the data won't be there if the user visits the website with a different browser, like the one on their phone, or if any other user visits the website and wants to see what other people are doing on there. this is why the programs that create web pages kind of need to be split in two: we need to run half of the program in the user's browser, to respond to stuff they're doing, and half of it on some external computer that stores data and lets you retrieve it from anywhere. that computer is called a web server.</a:t>
+              <a:t>and c), the data won't be there if the user visits the website with a different browser, like the one on their phone, or if any other user visits the website and wants to see what other people are doing on there. this is why the programs that are responsible for web pages kind of need to be split in half: we need to run half of the program in the user's browser, to respond to stuff they're doing, and half of it on some external computer that stores data and lets you retrieve it from anywhere. that kind of computer is called a web server.</a:t>
             </a:r>
           </a:p>
           <a:p>
@@ -1429,36 +1603,13 @@
               <a:tabLst/>
               <a:defRPr/>
             </a:pPr>
-            <a:r>
-              <a:rPr lang="en-US" b="0" dirty="0">
-                <a:solidFill>
-                  <a:srgbClr val="B5B3AA"/>
-                </a:solidFill>
-                <a:effectLst/>
-                <a:latin typeface="Consolas" panose="020B0609020204030204" pitchFamily="49" charset="0"/>
-              </a:rPr>
-              <a:t>a server is just a computer that provides resources to a network. every time you view any kind of website, a web server is sending you the html, </a:t>
-            </a:r>
-            <a:r>
-              <a:rPr lang="en-US" b="0" dirty="0" err="1">
-                <a:solidFill>
-                  <a:srgbClr val="B5B3AA"/>
-                </a:solidFill>
-                <a:effectLst/>
-                <a:latin typeface="Consolas" panose="020B0609020204030204" pitchFamily="49" charset="0"/>
-              </a:rPr>
-              <a:t>javascript</a:t>
-            </a:r>
-            <a:r>
-              <a:rPr lang="en-US" b="0" dirty="0">
-                <a:solidFill>
-                  <a:srgbClr val="B5B3AA"/>
-                </a:solidFill>
-                <a:effectLst/>
-                <a:latin typeface="Consolas" panose="020B0609020204030204" pitchFamily="49" charset="0"/>
-              </a:rPr>
-              <a:t>, images, and et cetera that constitute the page you're looking at, including any data that’s submitted by users or that needs to be able to change over time.</a:t>
-            </a:r>
+            <a:endParaRPr lang="en-US" b="0" dirty="0">
+              <a:solidFill>
+                <a:srgbClr val="DDDDDD"/>
+              </a:solidFill>
+              <a:effectLst/>
+              <a:latin typeface="Consolas" panose="020B0609020204030204" pitchFamily="49" charset="0"/>
+            </a:endParaRPr>
           </a:p>
         </p:txBody>
       </p:sp>
@@ -1489,7 +1640,7 @@
     </p:spTree>
     <p:extLst>
       <p:ext uri="{BB962C8B-B14F-4D97-AF65-F5344CB8AC3E}">
-        <p14:creationId xmlns:p14="http://schemas.microsoft.com/office/powerpoint/2010/main" val="1651816249"/>
+        <p14:creationId xmlns:p14="http://schemas.microsoft.com/office/powerpoint/2010/main" val="331195847"/>
       </p:ext>
     </p:extLst>
   </p:cSld>
@@ -1568,15 +1719,28 @@
                 <a:effectLst/>
                 <a:latin typeface="Consolas" panose="020B0609020204030204" pitchFamily="49" charset="0"/>
               </a:rPr>
-              <a:t>any network device can play the role of a server: a phone can, a desktop computer can, a raspberry pi can; you usually want a server to be a big powerful computer with a good internet connection sitting in a cool basement somewhere, but sometimes you have to work with what you got, and so you're forced to jailbreak and reverse engineer your smart toaster</a:t>
-            </a:r>
-            <a:endParaRPr lang="en-US" b="0" dirty="0">
-              <a:solidFill>
-                <a:srgbClr val="DDDDDD"/>
-              </a:solidFill>
-              <a:effectLst/>
-              <a:latin typeface="Consolas" panose="020B0609020204030204" pitchFamily="49" charset="0"/>
-            </a:endParaRPr>
+              <a:t>a server is just a device that provides resources to a network. every time you view any kind of website, a web server is sending you the html, </a:t>
+            </a:r>
+            <a:r>
+              <a:rPr lang="en-US" b="0" dirty="0" err="1">
+                <a:solidFill>
+                  <a:srgbClr val="B5B3AA"/>
+                </a:solidFill>
+                <a:effectLst/>
+                <a:latin typeface="Consolas" panose="020B0609020204030204" pitchFamily="49" charset="0"/>
+              </a:rPr>
+              <a:t>javascript</a:t>
+            </a:r>
+            <a:r>
+              <a:rPr lang="en-US" b="0" dirty="0">
+                <a:solidFill>
+                  <a:srgbClr val="B5B3AA"/>
+                </a:solidFill>
+                <a:effectLst/>
+                <a:latin typeface="Consolas" panose="020B0609020204030204" pitchFamily="49" charset="0"/>
+              </a:rPr>
+              <a:t>, images, and et cetera that constitute the page you're looking at, including any data that’s submitted by users or that needs to be able to change over time.</a:t>
+            </a:r>
           </a:p>
         </p:txBody>
       </p:sp>
@@ -1607,7 +1771,7 @@
     </p:spTree>
     <p:extLst>
       <p:ext uri="{BB962C8B-B14F-4D97-AF65-F5344CB8AC3E}">
-        <p14:creationId xmlns:p14="http://schemas.microsoft.com/office/powerpoint/2010/main" val="2624505311"/>
+        <p14:creationId xmlns:p14="http://schemas.microsoft.com/office/powerpoint/2010/main" val="1651816249"/>
       </p:ext>
     </p:extLst>
   </p:cSld>
@@ -1661,6 +1825,23 @@
           <a:bodyPr/>
           <a:lstStyle/>
           <a:p>
+            <a:pPr marL="0" marR="0" lvl="0" indent="0" algn="l" defTabSz="914400" rtl="0" eaLnBrk="0" fontAlgn="base" latinLnBrk="0" hangingPunct="0">
+              <a:lnSpc>
+                <a:spcPct val="100000"/>
+              </a:lnSpc>
+              <a:spcBef>
+                <a:spcPct val="30000"/>
+              </a:spcBef>
+              <a:spcAft>
+                <a:spcPct val="0"/>
+              </a:spcAft>
+              <a:buClrTx/>
+              <a:buSzTx/>
+              <a:buFontTx/>
+              <a:buNone/>
+              <a:tabLst/>
+              <a:defRPr/>
+            </a:pPr>
             <a:r>
               <a:rPr lang="en-US" b="0" dirty="0">
                 <a:solidFill>
@@ -1669,7 +1850,7 @@
                 <a:effectLst/>
                 <a:latin typeface="Consolas" panose="020B0609020204030204" pitchFamily="49" charset="0"/>
               </a:rPr>
-              <a:t>and unfortunately, the term "server" can refer to either a whole computer or just a specific program that is implementing the role of providing resources on a network. so that may sometimes be confusing, sorry. but hopefully it will be possible to use context to figure out what kind of thing i'm talking about.</a:t>
+              <a:t>any network device can play the role of a server: a phone can, a desktop computer can, a raspberry pi can; you usually want a server to be a big powerful computer with a good internet connection sitting in a cool basement somewhere, but sometimes you have to work with what you got, and so you're forced to jailbreak and reverse engineer your smart toaster</a:t>
             </a:r>
             <a:endParaRPr lang="en-US" b="0" dirty="0">
               <a:solidFill>
@@ -1708,7 +1889,7 @@
     </p:spTree>
     <p:extLst>
       <p:ext uri="{BB962C8B-B14F-4D97-AF65-F5344CB8AC3E}">
-        <p14:creationId xmlns:p14="http://schemas.microsoft.com/office/powerpoint/2010/main" val="1165841184"/>
+        <p14:creationId xmlns:p14="http://schemas.microsoft.com/office/powerpoint/2010/main" val="2624505311"/>
       </p:ext>
     </p:extLst>
   </p:cSld>
@@ -1770,67 +1951,7 @@
                 <a:effectLst/>
                 <a:latin typeface="Consolas" panose="020B0609020204030204" pitchFamily="49" charset="0"/>
               </a:rPr>
-              <a:t>and, by the way, there is no agreement on the best way to run a server. when you’re just creating the content that the users see, which is called frontend web development, there really aren’t too many options: you have to produce html, </a:t>
-            </a:r>
-            <a:r>
-              <a:rPr lang="en-US" b="0" dirty="0" err="1">
-                <a:solidFill>
-                  <a:srgbClr val="B5B3AA"/>
-                </a:solidFill>
-                <a:effectLst/>
-                <a:latin typeface="Consolas" panose="020B0609020204030204" pitchFamily="49" charset="0"/>
-              </a:rPr>
-              <a:t>css</a:t>
-            </a:r>
-            <a:r>
-              <a:rPr lang="en-US" b="0" dirty="0">
-                <a:solidFill>
-                  <a:srgbClr val="B5B3AA"/>
-                </a:solidFill>
-                <a:effectLst/>
-                <a:latin typeface="Consolas" panose="020B0609020204030204" pitchFamily="49" charset="0"/>
-              </a:rPr>
-              <a:t>, and </a:t>
-            </a:r>
-            <a:r>
-              <a:rPr lang="en-US" b="0" dirty="0" err="1">
-                <a:solidFill>
-                  <a:srgbClr val="B5B3AA"/>
-                </a:solidFill>
-                <a:effectLst/>
-                <a:latin typeface="Consolas" panose="020B0609020204030204" pitchFamily="49" charset="0"/>
-              </a:rPr>
-              <a:t>javascript</a:t>
-            </a:r>
-            <a:r>
-              <a:rPr lang="en-US" b="0" dirty="0">
-                <a:solidFill>
-                  <a:srgbClr val="B5B3AA"/>
-                </a:solidFill>
-                <a:effectLst/>
-                <a:latin typeface="Consolas" panose="020B0609020204030204" pitchFamily="49" charset="0"/>
-              </a:rPr>
-              <a:t>, and the main ways to do that are to write programs with react, </a:t>
-            </a:r>
-            <a:r>
-              <a:rPr lang="en-US" b="0" dirty="0" err="1">
-                <a:solidFill>
-                  <a:srgbClr val="B5B3AA"/>
-                </a:solidFill>
-                <a:effectLst/>
-                <a:latin typeface="Consolas" panose="020B0609020204030204" pitchFamily="49" charset="0"/>
-              </a:rPr>
-              <a:t>vue</a:t>
-            </a:r>
-            <a:r>
-              <a:rPr lang="en-US" b="0" dirty="0">
-                <a:solidFill>
-                  <a:srgbClr val="B5B3AA"/>
-                </a:solidFill>
-                <a:effectLst/>
-                <a:latin typeface="Consolas" panose="020B0609020204030204" pitchFamily="49" charset="0"/>
-              </a:rPr>
-              <a:t>, or angular; frontend web designers do not use too many brain cells pinning down their basic tools. but if you're creating a server, which means you're doing what's called backend engineering, you can do anything. you can write your code in any language, using any or multiple of a million frameworks and libraries people have created for you, you can read and write to files, you can integrate with databases, you can run other unrelated programs from inside your program, anything. we're staring into the abyss, here. we're not trapped in the browser anymore, but we are caught in the prison of having decisions to make.</a:t>
+              <a:t>and unfortunately, the term "server" can refer to either a whole computer or just a specific program that is implementing the role of providing resources on a network. so that may sometimes be confusing, sorry. but hopefully it will be possible to use context to figure out what kind of thing i'm talking about.</a:t>
             </a:r>
             <a:endParaRPr lang="en-US" b="0" dirty="0">
               <a:solidFill>
@@ -1869,7 +1990,7 @@
     </p:spTree>
     <p:extLst>
       <p:ext uri="{BB962C8B-B14F-4D97-AF65-F5344CB8AC3E}">
-        <p14:creationId xmlns:p14="http://schemas.microsoft.com/office/powerpoint/2010/main" val="1159978168"/>
+        <p14:creationId xmlns:p14="http://schemas.microsoft.com/office/powerpoint/2010/main" val="1165841184"/>
       </p:ext>
     </p:extLst>
   </p:cSld>
@@ -1923,6 +2044,167 @@
           <a:bodyPr/>
           <a:lstStyle/>
           <a:p>
+            <a:r>
+              <a:rPr lang="en-US" b="0" dirty="0">
+                <a:solidFill>
+                  <a:srgbClr val="B5B3AA"/>
+                </a:solidFill>
+                <a:effectLst/>
+                <a:latin typeface="Consolas" panose="020B0609020204030204" pitchFamily="49" charset="0"/>
+              </a:rPr>
+              <a:t>and, by the way, there is no agreement on the best way to run a server. when you’re just creating the content that the users see, which is called frontend web development, there really aren’t too many options: you have to produce html, </a:t>
+            </a:r>
+            <a:r>
+              <a:rPr lang="en-US" b="0" dirty="0" err="1">
+                <a:solidFill>
+                  <a:srgbClr val="B5B3AA"/>
+                </a:solidFill>
+                <a:effectLst/>
+                <a:latin typeface="Consolas" panose="020B0609020204030204" pitchFamily="49" charset="0"/>
+              </a:rPr>
+              <a:t>css</a:t>
+            </a:r>
+            <a:r>
+              <a:rPr lang="en-US" b="0" dirty="0">
+                <a:solidFill>
+                  <a:srgbClr val="B5B3AA"/>
+                </a:solidFill>
+                <a:effectLst/>
+                <a:latin typeface="Consolas" panose="020B0609020204030204" pitchFamily="49" charset="0"/>
+              </a:rPr>
+              <a:t>, and </a:t>
+            </a:r>
+            <a:r>
+              <a:rPr lang="en-US" b="0" dirty="0" err="1">
+                <a:solidFill>
+                  <a:srgbClr val="B5B3AA"/>
+                </a:solidFill>
+                <a:effectLst/>
+                <a:latin typeface="Consolas" panose="020B0609020204030204" pitchFamily="49" charset="0"/>
+              </a:rPr>
+              <a:t>javascript</a:t>
+            </a:r>
+            <a:r>
+              <a:rPr lang="en-US" b="0" dirty="0">
+                <a:solidFill>
+                  <a:srgbClr val="B5B3AA"/>
+                </a:solidFill>
+                <a:effectLst/>
+                <a:latin typeface="Consolas" panose="020B0609020204030204" pitchFamily="49" charset="0"/>
+              </a:rPr>
+              <a:t>, and the main ways to do that are to write programs with react, </a:t>
+            </a:r>
+            <a:r>
+              <a:rPr lang="en-US" b="0" dirty="0" err="1">
+                <a:solidFill>
+                  <a:srgbClr val="B5B3AA"/>
+                </a:solidFill>
+                <a:effectLst/>
+                <a:latin typeface="Consolas" panose="020B0609020204030204" pitchFamily="49" charset="0"/>
+              </a:rPr>
+              <a:t>vue</a:t>
+            </a:r>
+            <a:r>
+              <a:rPr lang="en-US" b="0" dirty="0">
+                <a:solidFill>
+                  <a:srgbClr val="B5B3AA"/>
+                </a:solidFill>
+                <a:effectLst/>
+                <a:latin typeface="Consolas" panose="020B0609020204030204" pitchFamily="49" charset="0"/>
+              </a:rPr>
+              <a:t>, or angular; frontend web designers do not use too many brain cells pinning down their basic tools. but if you're creating a server, which means you're doing what's called backend engineering, you can do anything. you can write your code in any language, using any or multiple of a million frameworks and libraries people have created for you, you can read and write to files, you can integrate with databases, you can run other unrelated programs from inside your program, anything. we're staring into the abyss, here. we're not trapped in the browser anymore, but we are caught in the prison of having decisions to make.</a:t>
+            </a:r>
+            <a:endParaRPr lang="en-US" b="0" dirty="0">
+              <a:solidFill>
+                <a:srgbClr val="DDDDDD"/>
+              </a:solidFill>
+              <a:effectLst/>
+              <a:latin typeface="Consolas" panose="020B0609020204030204" pitchFamily="49" charset="0"/>
+            </a:endParaRPr>
+          </a:p>
+        </p:txBody>
+      </p:sp>
+      <p:sp>
+        <p:nvSpPr>
+          <p:cNvPr id="4" name="Slide Number Placeholder 3"/>
+          <p:cNvSpPr>
+            <a:spLocks noGrp="1"/>
+          </p:cNvSpPr>
+          <p:nvPr>
+            <p:ph type="sldNum" sz="quarter" idx="5"/>
+          </p:nvPr>
+        </p:nvSpPr>
+        <p:spPr/>
+        <p:txBody>
+          <a:bodyPr/>
+          <a:lstStyle/>
+          <a:p>
+            <a:fld id="{02DFA6AD-67CC-4248-91A0-32DAE947B1E4}" type="slidenum">
+              <a:rPr lang="en-US" altLang="en-US" smtClean="0"/>
+              <a:pPr/>
+              <a:t>10</a:t>
+            </a:fld>
+            <a:endParaRPr lang="en-US" altLang="en-US"/>
+          </a:p>
+        </p:txBody>
+      </p:sp>
+    </p:spTree>
+    <p:extLst>
+      <p:ext uri="{BB962C8B-B14F-4D97-AF65-F5344CB8AC3E}">
+        <p14:creationId xmlns:p14="http://schemas.microsoft.com/office/powerpoint/2010/main" val="1159978168"/>
+      </p:ext>
+    </p:extLst>
+  </p:cSld>
+  <p:clrMapOvr>
+    <a:masterClrMapping/>
+  </p:clrMapOvr>
+</p:notes>
+</file>
+
+<file path=ppt/notesSlides/notesSlide9.xml><?xml version="1.0" encoding="utf-8"?>
+<p:notes xmlns:a="http://schemas.openxmlformats.org/drawingml/2006/main" xmlns:r="http://schemas.openxmlformats.org/officeDocument/2006/relationships" xmlns:p="http://schemas.openxmlformats.org/presentationml/2006/main">
+  <p:cSld>
+    <p:spTree>
+      <p:nvGrpSpPr>
+        <p:cNvPr id="1" name=""/>
+        <p:cNvGrpSpPr/>
+        <p:nvPr/>
+      </p:nvGrpSpPr>
+      <p:grpSpPr>
+        <a:xfrm>
+          <a:off x="0" y="0"/>
+          <a:ext cx="0" cy="0"/>
+          <a:chOff x="0" y="0"/>
+          <a:chExt cx="0" cy="0"/>
+        </a:xfrm>
+      </p:grpSpPr>
+      <p:sp>
+        <p:nvSpPr>
+          <p:cNvPr id="2" name="Slide Image Placeholder 1"/>
+          <p:cNvSpPr>
+            <a:spLocks noGrp="1" noRot="1" noChangeAspect="1"/>
+          </p:cNvSpPr>
+          <p:nvPr>
+            <p:ph type="sldImg"/>
+          </p:nvPr>
+        </p:nvSpPr>
+        <p:spPr/>
+      </p:sp>
+      <p:sp>
+        <p:nvSpPr>
+          <p:cNvPr id="3" name="Notes Placeholder 2"/>
+          <p:cNvSpPr>
+            <a:spLocks noGrp="1"/>
+          </p:cNvSpPr>
+          <p:nvPr>
+            <p:ph type="body" idx="1"/>
+          </p:nvPr>
+        </p:nvSpPr>
+        <p:spPr/>
+        <p:txBody>
+          <a:bodyPr/>
+          <a:lstStyle/>
+          <a:p>
             <a:pPr marL="0" marR="0" lvl="0" indent="0" algn="l" defTabSz="914400" rtl="0" eaLnBrk="0" fontAlgn="base" latinLnBrk="0" hangingPunct="0">
               <a:lnSpc>
                 <a:spcPct val="100000"/>
@@ -2038,7 +2320,7 @@
             <a:fld id="{02DFA6AD-67CC-4248-91A0-32DAE947B1E4}" type="slidenum">
               <a:rPr lang="en-US" altLang="en-US" smtClean="0"/>
               <a:pPr/>
-              <a:t>10</a:t>
+              <a:t>11</a:t>
             </a:fld>
             <a:endParaRPr lang="en-US" altLang="en-US"/>
           </a:p>
@@ -7346,7 +7628,7 @@
             </a:extLst>
           </p:cNvPr>
           <p:cNvSpPr>
-            <a:spLocks noChangeArrowheads="1"/>
+            <a:spLocks noGrp="1" noChangeArrowheads="1"/>
           </p:cNvSpPr>
           <p:nvPr>
             <p:ph type="ctrTitle"/>
@@ -7377,7 +7659,7 @@
             </a:extLst>
           </p:cNvPr>
           <p:cNvSpPr>
-            <a:spLocks noChangeArrowheads="1"/>
+            <a:spLocks noGrp="1" noChangeArrowheads="1"/>
           </p:cNvSpPr>
           <p:nvPr>
             <p:ph type="subTitle" idx="1"/>
@@ -7411,6 +7693,157 @@
 </file>
 
 <file path=ppt/slides/slide10.xml><?xml version="1.0" encoding="utf-8"?>
+<p:sld xmlns:a="http://schemas.openxmlformats.org/drawingml/2006/main" xmlns:r="http://schemas.openxmlformats.org/officeDocument/2006/relationships" xmlns:p="http://schemas.openxmlformats.org/presentationml/2006/main">
+  <p:cSld>
+    <p:spTree>
+      <p:nvGrpSpPr>
+        <p:cNvPr id="1" name=""/>
+        <p:cNvGrpSpPr/>
+        <p:nvPr/>
+      </p:nvGrpSpPr>
+      <p:grpSpPr>
+        <a:xfrm>
+          <a:off x="0" y="0"/>
+          <a:ext cx="0" cy="0"/>
+          <a:chOff x="0" y="0"/>
+          <a:chExt cx="0" cy="0"/>
+        </a:xfrm>
+      </p:grpSpPr>
+      <p:sp>
+        <p:nvSpPr>
+          <p:cNvPr id="5122" name="Rectangle 2">
+            <a:extLst>
+              <a:ext uri="{FF2B5EF4-FFF2-40B4-BE49-F238E27FC236}">
+                <a16:creationId xmlns:a16="http://schemas.microsoft.com/office/drawing/2014/main" id="{F57B15E3-A41D-7948-0571-46BEEBC8ABA6}"/>
+              </a:ext>
+            </a:extLst>
+          </p:cNvPr>
+          <p:cNvSpPr>
+            <a:spLocks noGrp="1" noChangeArrowheads="1"/>
+          </p:cNvSpPr>
+          <p:nvPr>
+            <p:ph type="title"/>
+          </p:nvPr>
+        </p:nvSpPr>
+        <p:spPr>
+          <a:noFill/>
+          <a:ln/>
+        </p:spPr>
+        <p:txBody>
+          <a:bodyPr/>
+          <a:lstStyle/>
+          <a:p>
+            <a:r>
+              <a:rPr lang="en-US" altLang="en-US" dirty="0"/>
+              <a:t>Choices</a:t>
+            </a:r>
+          </a:p>
+        </p:txBody>
+      </p:sp>
+      <p:sp>
+        <p:nvSpPr>
+          <p:cNvPr id="5123" name="Rectangle 3">
+            <a:extLst>
+              <a:ext uri="{FF2B5EF4-FFF2-40B4-BE49-F238E27FC236}">
+                <a16:creationId xmlns:a16="http://schemas.microsoft.com/office/drawing/2014/main" id="{0B39479C-35C9-0DB2-E4C3-AC31C50417EF}"/>
+              </a:ext>
+            </a:extLst>
+          </p:cNvPr>
+          <p:cNvSpPr>
+            <a:spLocks noGrp="1" noChangeArrowheads="1"/>
+          </p:cNvSpPr>
+          <p:nvPr>
+            <p:ph type="body" idx="1"/>
+          </p:nvPr>
+        </p:nvSpPr>
+        <p:spPr>
+          <a:xfrm>
+            <a:off x="2074666" y="1676400"/>
+            <a:ext cx="6396361" cy="635430"/>
+          </a:xfrm>
+          <a:noFill/>
+          <a:ln/>
+        </p:spPr>
+        <p:txBody>
+          <a:bodyPr/>
+          <a:lstStyle/>
+          <a:p>
+            <a:r>
+              <a:rPr lang="en-US" altLang="en-US" sz="2800" dirty="0"/>
+              <a:t>Browser languages: CSS/JS/HTML</a:t>
+            </a:r>
+          </a:p>
+          <a:p>
+            <a:r>
+              <a:rPr lang="en-US" altLang="en-US" sz="2800" dirty="0"/>
+              <a:t>Front-end frameworks: React, Vue, Angular, jQuery used to be huge</a:t>
+            </a:r>
+          </a:p>
+          <a:p>
+            <a:r>
+              <a:rPr lang="en-US" altLang="en-US" sz="2800" dirty="0"/>
+              <a:t>Back-end frameworks:</a:t>
+            </a:r>
+          </a:p>
+          <a:p>
+            <a:pPr lvl="1"/>
+            <a:r>
+              <a:rPr lang="en-US" altLang="en-US" sz="2400" dirty="0"/>
+              <a:t>Python: Django, Flask, Tornado</a:t>
+            </a:r>
+          </a:p>
+          <a:p>
+            <a:pPr lvl="1"/>
+            <a:r>
+              <a:rPr lang="en-US" altLang="en-US" sz="2400" dirty="0"/>
+              <a:t>PHP: Laravel, Symfony, CodeIgniter</a:t>
+            </a:r>
+          </a:p>
+          <a:p>
+            <a:pPr lvl="1"/>
+            <a:r>
+              <a:rPr lang="en-US" altLang="en-US" sz="2400" dirty="0"/>
+              <a:t>Node.js: Express, </a:t>
+            </a:r>
+            <a:r>
+              <a:rPr lang="en-US" altLang="en-US" sz="2400" dirty="0" err="1"/>
+              <a:t>Fastify</a:t>
+            </a:r>
+            <a:r>
+              <a:rPr lang="en-US" altLang="en-US" sz="2400" dirty="0"/>
+              <a:t>, Koa</a:t>
+            </a:r>
+          </a:p>
+          <a:p>
+            <a:pPr lvl="1"/>
+            <a:r>
+              <a:rPr lang="en-US" altLang="en-US" sz="2400" dirty="0"/>
+              <a:t>plus infinity more for every language you can think of</a:t>
+            </a:r>
+          </a:p>
+          <a:p>
+            <a:pPr lvl="1"/>
+            <a:r>
+              <a:rPr lang="en-US" altLang="en-US" sz="2400" dirty="0"/>
+              <a:t>also: you need other external programs like databases or video encoders sometimes</a:t>
+            </a:r>
+          </a:p>
+        </p:txBody>
+      </p:sp>
+    </p:spTree>
+    <p:extLst>
+      <p:ext uri="{BB962C8B-B14F-4D97-AF65-F5344CB8AC3E}">
+        <p14:creationId xmlns:p14="http://schemas.microsoft.com/office/powerpoint/2010/main" val="2944425316"/>
+      </p:ext>
+    </p:extLst>
+  </p:cSld>
+  <p:clrMapOvr>
+    <a:masterClrMapping/>
+  </p:clrMapOvr>
+</p:sld>
+</file>
+
+<file path=ppt/slides/slide11.xml><?xml version="1.0" encoding="utf-8"?>
 <p:sld xmlns:a="http://schemas.openxmlformats.org/drawingml/2006/main" xmlns:r="http://schemas.openxmlformats.org/officeDocument/2006/relationships" xmlns:p="http://schemas.openxmlformats.org/presentationml/2006/main">
   <p:cSld>
     <p:spTree>
@@ -7608,7 +8041,7 @@
             </a:extLst>
           </p:cNvPr>
           <p:cNvSpPr>
-            <a:spLocks noChangeArrowheads="1"/>
+            <a:spLocks noGrp="1" noChangeArrowheads="1"/>
           </p:cNvSpPr>
           <p:nvPr>
             <p:ph type="title"/>
@@ -7639,7 +8072,7 @@
             </a:extLst>
           </p:cNvPr>
           <p:cNvSpPr>
-            <a:spLocks noChangeArrowheads="1"/>
+            <a:spLocks noGrp="1" noChangeArrowheads="1"/>
           </p:cNvSpPr>
           <p:nvPr>
             <p:ph type="body" idx="1"/>
@@ -8013,8 +8446,8 @@
           </a:p>
         </p:txBody>
       </p:sp>
-      <mc:AlternateContent xmlns:mc="http://schemas.openxmlformats.org/markup-compatibility/2006">
-        <mc:Choice xmlns:p14="http://schemas.microsoft.com/office/powerpoint/2010/main" Requires="p14">
+      <mc:AlternateContent xmlns:mc="http://schemas.openxmlformats.org/markup-compatibility/2006" xmlns:p14="http://schemas.microsoft.com/office/powerpoint/2010/main">
+        <mc:Choice Requires="p14">
           <p:contentPart p14:bwMode="auto" r:id="rId4">
             <p14:nvContentPartPr>
               <p14:cNvPr id="11" name="Ink 10">
@@ -8033,7 +8466,7 @@
             </p14:xfrm>
           </p:contentPart>
         </mc:Choice>
-        <mc:Fallback>
+        <mc:Fallback xmlns="">
           <p:pic>
             <p:nvPicPr>
               <p:cNvPr id="11" name="Ink 10">
@@ -8064,8 +8497,8 @@
           </p:pic>
         </mc:Fallback>
       </mc:AlternateContent>
-      <mc:AlternateContent xmlns:mc="http://schemas.openxmlformats.org/markup-compatibility/2006">
-        <mc:Choice xmlns:p14="http://schemas.microsoft.com/office/powerpoint/2010/main" Requires="p14">
+      <mc:AlternateContent xmlns:mc="http://schemas.openxmlformats.org/markup-compatibility/2006" xmlns:p14="http://schemas.microsoft.com/office/powerpoint/2010/main">
+        <mc:Choice Requires="p14">
           <p:contentPart p14:bwMode="auto" r:id="rId6">
             <p14:nvContentPartPr>
               <p14:cNvPr id="12" name="Ink 11">
@@ -8084,7 +8517,7 @@
             </p14:xfrm>
           </p:contentPart>
         </mc:Choice>
-        <mc:Fallback>
+        <mc:Fallback xmlns="">
           <p:pic>
             <p:nvPicPr>
               <p:cNvPr id="12" name="Ink 11">
@@ -8135,8 +8568,8 @@
             <a:chExt cx="6125040" cy="3821040"/>
           </a:xfrm>
         </p:grpSpPr>
-        <mc:AlternateContent xmlns:mc="http://schemas.openxmlformats.org/markup-compatibility/2006">
-          <mc:Choice xmlns:p14="http://schemas.microsoft.com/office/powerpoint/2010/main" Requires="p14">
+        <mc:AlternateContent xmlns:mc="http://schemas.openxmlformats.org/markup-compatibility/2006" xmlns:p14="http://schemas.microsoft.com/office/powerpoint/2010/main">
+          <mc:Choice Requires="p14">
             <p:contentPart p14:bwMode="auto" r:id="rId7">
               <p14:nvContentPartPr>
                 <p14:cNvPr id="8" name="Ink 7">
@@ -8155,7 +8588,7 @@
               </p14:xfrm>
             </p:contentPart>
           </mc:Choice>
-          <mc:Fallback>
+          <mc:Fallback xmlns="">
             <p:pic>
               <p:nvPicPr>
                 <p:cNvPr id="8" name="Ink 7">
@@ -8186,8 +8619,8 @@
             </p:pic>
           </mc:Fallback>
         </mc:AlternateContent>
-        <mc:AlternateContent xmlns:mc="http://schemas.openxmlformats.org/markup-compatibility/2006">
-          <mc:Choice xmlns:p14="http://schemas.microsoft.com/office/powerpoint/2010/main" Requires="p14">
+        <mc:AlternateContent xmlns:mc="http://schemas.openxmlformats.org/markup-compatibility/2006" xmlns:p14="http://schemas.microsoft.com/office/powerpoint/2010/main">
+          <mc:Choice Requires="p14">
             <p:contentPart p14:bwMode="auto" r:id="rId9">
               <p14:nvContentPartPr>
                 <p14:cNvPr id="9" name="Ink 8">
@@ -8206,7 +8639,7 @@
               </p14:xfrm>
             </p:contentPart>
           </mc:Choice>
-          <mc:Fallback>
+          <mc:Fallback xmlns="">
             <p:pic>
               <p:nvPicPr>
                 <p:cNvPr id="9" name="Ink 8">
@@ -8237,8 +8670,8 @@
             </p:pic>
           </mc:Fallback>
         </mc:AlternateContent>
-        <mc:AlternateContent xmlns:mc="http://schemas.openxmlformats.org/markup-compatibility/2006">
-          <mc:Choice xmlns:p14="http://schemas.microsoft.com/office/powerpoint/2010/main" Requires="p14">
+        <mc:AlternateContent xmlns:mc="http://schemas.openxmlformats.org/markup-compatibility/2006" xmlns:p14="http://schemas.microsoft.com/office/powerpoint/2010/main">
+          <mc:Choice Requires="p14">
             <p:contentPart p14:bwMode="auto" r:id="rId11">
               <p14:nvContentPartPr>
                 <p14:cNvPr id="17" name="Ink 16">
@@ -8257,7 +8690,7 @@
               </p14:xfrm>
             </p:contentPart>
           </mc:Choice>
-          <mc:Fallback>
+          <mc:Fallback xmlns="">
             <p:pic>
               <p:nvPicPr>
                 <p:cNvPr id="17" name="Ink 16">
@@ -8289,8 +8722,8 @@
           </mc:Fallback>
         </mc:AlternateContent>
       </p:grpSp>
-      <mc:AlternateContent xmlns:mc="http://schemas.openxmlformats.org/markup-compatibility/2006">
-        <mc:Choice xmlns:p14="http://schemas.microsoft.com/office/powerpoint/2010/main" Requires="p14">
+      <mc:AlternateContent xmlns:mc="http://schemas.openxmlformats.org/markup-compatibility/2006" xmlns:p14="http://schemas.microsoft.com/office/powerpoint/2010/main">
+        <mc:Choice Requires="p14">
           <p:contentPart p14:bwMode="auto" r:id="rId13">
             <p14:nvContentPartPr>
               <p14:cNvPr id="21" name="Ink 20">
@@ -8309,7 +8742,7 @@
             </p14:xfrm>
           </p:contentPart>
         </mc:Choice>
-        <mc:Fallback>
+        <mc:Fallback xmlns="">
           <p:pic>
             <p:nvPicPr>
               <p:cNvPr id="21" name="Ink 20">
@@ -8646,6 +9079,577 @@
       </p:grpSpPr>
       <p:sp>
         <p:nvSpPr>
+          <p:cNvPr id="2" name="Title 1">
+            <a:extLst>
+              <a:ext uri="{FF2B5EF4-FFF2-40B4-BE49-F238E27FC236}">
+                <a16:creationId xmlns:a16="http://schemas.microsoft.com/office/drawing/2014/main" id="{D00BF519-D5CD-E8A8-2441-9083A7985547}"/>
+              </a:ext>
+            </a:extLst>
+          </p:cNvPr>
+          <p:cNvSpPr>
+            <a:spLocks noGrp="1"/>
+          </p:cNvSpPr>
+          <p:nvPr>
+            <p:ph type="title"/>
+          </p:nvPr>
+        </p:nvSpPr>
+        <p:spPr/>
+        <p:txBody>
+          <a:bodyPr/>
+          <a:lstStyle/>
+          <a:p>
+            <a:r>
+              <a:rPr lang="en-US" dirty="0"/>
+              <a:t>The Problem</a:t>
+            </a:r>
+          </a:p>
+        </p:txBody>
+      </p:sp>
+      <p:pic>
+        <p:nvPicPr>
+          <p:cNvPr id="5" name="Picture 4" descr="A raccoon in a cage&#10;&#10;Description automatically generated">
+            <a:extLst>
+              <a:ext uri="{FF2B5EF4-FFF2-40B4-BE49-F238E27FC236}">
+                <a16:creationId xmlns:a16="http://schemas.microsoft.com/office/drawing/2014/main" id="{EDDA68FC-69DB-CCD8-09EC-B1DD93E4631E}"/>
+              </a:ext>
+            </a:extLst>
+          </p:cNvPr>
+          <p:cNvPicPr>
+            <a:picLocks noChangeAspect="1"/>
+          </p:cNvPicPr>
+          <p:nvPr/>
+        </p:nvPicPr>
+        <p:blipFill>
+          <a:blip r:embed="rId3">
+            <a:extLst>
+              <a:ext uri="{28A0092B-C50C-407E-A947-70E740481C1C}">
+                <a14:useLocalDpi xmlns:a14="http://schemas.microsoft.com/office/drawing/2010/main" val="0"/>
+              </a:ext>
+            </a:extLst>
+          </a:blip>
+          <a:stretch>
+            <a:fillRect/>
+          </a:stretch>
+        </p:blipFill>
+        <p:spPr>
+          <a:xfrm>
+            <a:off x="2211091" y="1742630"/>
+            <a:ext cx="6258732" cy="4592946"/>
+          </a:xfrm>
+          <a:prstGeom prst="rect">
+            <a:avLst/>
+          </a:prstGeom>
+        </p:spPr>
+      </p:pic>
+      <p:sp>
+        <p:nvSpPr>
+          <p:cNvPr id="6" name="TextBox 5">
+            <a:extLst>
+              <a:ext uri="{FF2B5EF4-FFF2-40B4-BE49-F238E27FC236}">
+                <a16:creationId xmlns:a16="http://schemas.microsoft.com/office/drawing/2014/main" id="{4A6C865D-5F85-3A6F-79CF-7242A8450A38}"/>
+              </a:ext>
+            </a:extLst>
+          </p:cNvPr>
+          <p:cNvSpPr txBox="1"/>
+          <p:nvPr/>
+        </p:nvSpPr>
+        <p:spPr>
+          <a:xfrm>
+            <a:off x="4520434" y="5627690"/>
+            <a:ext cx="3386380" cy="707886"/>
+          </a:xfrm>
+          <a:prstGeom prst="rect">
+            <a:avLst/>
+          </a:prstGeom>
+          <a:noFill/>
+        </p:spPr>
+        <p:txBody>
+          <a:bodyPr wrap="square" rtlCol="0">
+            <a:spAutoFit/>
+          </a:bodyPr>
+          <a:lstStyle/>
+          <a:p>
+            <a:r>
+              <a:rPr lang="en-US" sz="4000" dirty="0">
+                <a:highlight>
+                  <a:srgbClr val="002010"/>
+                </a:highlight>
+              </a:rPr>
+              <a:t>The Browser</a:t>
+            </a:r>
+          </a:p>
+        </p:txBody>
+      </p:sp>
+      <p:sp>
+        <p:nvSpPr>
+          <p:cNvPr id="7" name="TextBox 6">
+            <a:extLst>
+              <a:ext uri="{FF2B5EF4-FFF2-40B4-BE49-F238E27FC236}">
+                <a16:creationId xmlns:a16="http://schemas.microsoft.com/office/drawing/2014/main" id="{288DB214-5266-66D3-B496-D632A3A0DD04}"/>
+              </a:ext>
+            </a:extLst>
+          </p:cNvPr>
+          <p:cNvSpPr txBox="1"/>
+          <p:nvPr/>
+        </p:nvSpPr>
+        <p:spPr>
+          <a:xfrm>
+            <a:off x="3647267" y="1742630"/>
+            <a:ext cx="3386380" cy="707886"/>
+          </a:xfrm>
+          <a:prstGeom prst="rect">
+            <a:avLst/>
+          </a:prstGeom>
+          <a:noFill/>
+        </p:spPr>
+        <p:txBody>
+          <a:bodyPr wrap="square" rtlCol="0">
+            <a:spAutoFit/>
+          </a:bodyPr>
+          <a:lstStyle/>
+          <a:p>
+            <a:r>
+              <a:rPr lang="en-US" sz="4000" dirty="0">
+                <a:highlight>
+                  <a:srgbClr val="002010"/>
+                </a:highlight>
+              </a:rPr>
+              <a:t>Your Program</a:t>
+            </a:r>
+          </a:p>
+        </p:txBody>
+      </p:sp>
+      <mc:AlternateContent xmlns:mc="http://schemas.openxmlformats.org/markup-compatibility/2006">
+        <mc:Choice xmlns:p14="http://schemas.microsoft.com/office/powerpoint/2010/main" Requires="p14">
+          <p:contentPart p14:bwMode="auto" r:id="rId4">
+            <p14:nvContentPartPr>
+              <p14:cNvPr id="11" name="Ink 10">
+                <a:extLst>
+                  <a:ext uri="{FF2B5EF4-FFF2-40B4-BE49-F238E27FC236}">
+                    <a16:creationId xmlns:a16="http://schemas.microsoft.com/office/drawing/2014/main" id="{E1B9A452-61C4-E89A-FA19-94BC6872DD93}"/>
+                  </a:ext>
+                </a:extLst>
+              </p14:cNvPr>
+              <p14:cNvContentPartPr/>
+              <p14:nvPr/>
+            </p14:nvContentPartPr>
+            <p14:xfrm>
+              <a:off x="7500624" y="2765923"/>
+              <a:ext cx="360" cy="360"/>
+            </p14:xfrm>
+          </p:contentPart>
+        </mc:Choice>
+        <mc:Fallback>
+          <p:pic>
+            <p:nvPicPr>
+              <p:cNvPr id="11" name="Ink 10">
+                <a:extLst>
+                  <a:ext uri="{FF2B5EF4-FFF2-40B4-BE49-F238E27FC236}">
+                    <a16:creationId xmlns:a16="http://schemas.microsoft.com/office/drawing/2014/main" id="{E1B9A452-61C4-E89A-FA19-94BC6872DD93}"/>
+                  </a:ext>
+                </a:extLst>
+              </p:cNvPr>
+              <p:cNvPicPr/>
+              <p:nvPr/>
+            </p:nvPicPr>
+            <p:blipFill>
+              <a:blip r:embed="rId5"/>
+              <a:stretch>
+                <a:fillRect/>
+              </a:stretch>
+            </p:blipFill>
+            <p:spPr>
+              <a:xfrm>
+                <a:off x="7491624" y="2756923"/>
+                <a:ext cx="18000" cy="18000"/>
+              </a:xfrm>
+              <a:prstGeom prst="rect">
+                <a:avLst/>
+              </a:prstGeom>
+            </p:spPr>
+          </p:pic>
+        </mc:Fallback>
+      </mc:AlternateContent>
+      <mc:AlternateContent xmlns:mc="http://schemas.openxmlformats.org/markup-compatibility/2006">
+        <mc:Choice xmlns:p14="http://schemas.microsoft.com/office/powerpoint/2010/main" Requires="p14">
+          <p:contentPart p14:bwMode="auto" r:id="rId6">
+            <p14:nvContentPartPr>
+              <p14:cNvPr id="12" name="Ink 11">
+                <a:extLst>
+                  <a:ext uri="{FF2B5EF4-FFF2-40B4-BE49-F238E27FC236}">
+                    <a16:creationId xmlns:a16="http://schemas.microsoft.com/office/drawing/2014/main" id="{BA5D4372-0BE6-CA76-D32C-06D3C26873AD}"/>
+                  </a:ext>
+                </a:extLst>
+              </p14:cNvPr>
+              <p14:cNvContentPartPr/>
+              <p14:nvPr/>
+            </p14:nvContentPartPr>
+            <p14:xfrm>
+              <a:off x="9616344" y="3401683"/>
+              <a:ext cx="360" cy="360"/>
+            </p14:xfrm>
+          </p:contentPart>
+        </mc:Choice>
+        <mc:Fallback>
+          <p:pic>
+            <p:nvPicPr>
+              <p:cNvPr id="12" name="Ink 11">
+                <a:extLst>
+                  <a:ext uri="{FF2B5EF4-FFF2-40B4-BE49-F238E27FC236}">
+                    <a16:creationId xmlns:a16="http://schemas.microsoft.com/office/drawing/2014/main" id="{BA5D4372-0BE6-CA76-D32C-06D3C26873AD}"/>
+                  </a:ext>
+                </a:extLst>
+              </p:cNvPr>
+              <p:cNvPicPr/>
+              <p:nvPr/>
+            </p:nvPicPr>
+            <p:blipFill>
+              <a:blip r:embed="rId5"/>
+              <a:stretch>
+                <a:fillRect/>
+              </a:stretch>
+            </p:blipFill>
+            <p:spPr>
+              <a:xfrm>
+                <a:off x="9607344" y="3392683"/>
+                <a:ext cx="18000" cy="18000"/>
+              </a:xfrm>
+              <a:prstGeom prst="rect">
+                <a:avLst/>
+              </a:prstGeom>
+            </p:spPr>
+          </p:pic>
+        </mc:Fallback>
+      </mc:AlternateContent>
+      <p:grpSp>
+        <p:nvGrpSpPr>
+          <p:cNvPr id="20" name="Group 19">
+            <a:extLst>
+              <a:ext uri="{FF2B5EF4-FFF2-40B4-BE49-F238E27FC236}">
+                <a16:creationId xmlns:a16="http://schemas.microsoft.com/office/drawing/2014/main" id="{867D89EB-294F-2C2A-A963-4C2D811C29DD}"/>
+              </a:ext>
+            </a:extLst>
+          </p:cNvPr>
+          <p:cNvGrpSpPr/>
+          <p:nvPr/>
+        </p:nvGrpSpPr>
+        <p:grpSpPr>
+          <a:xfrm>
+            <a:off x="1416264" y="2138443"/>
+            <a:ext cx="6125040" cy="3821040"/>
+            <a:chOff x="1416264" y="2138443"/>
+            <a:chExt cx="6125040" cy="3821040"/>
+          </a:xfrm>
+        </p:grpSpPr>
+        <mc:AlternateContent xmlns:mc="http://schemas.openxmlformats.org/markup-compatibility/2006">
+          <mc:Choice xmlns:p14="http://schemas.microsoft.com/office/powerpoint/2010/main" Requires="p14">
+            <p:contentPart p14:bwMode="auto" r:id="rId7">
+              <p14:nvContentPartPr>
+                <p14:cNvPr id="8" name="Ink 7">
+                  <a:extLst>
+                    <a:ext uri="{FF2B5EF4-FFF2-40B4-BE49-F238E27FC236}">
+                      <a16:creationId xmlns:a16="http://schemas.microsoft.com/office/drawing/2014/main" id="{74196067-C853-2768-7BE1-37F0C8B6A90F}"/>
+                    </a:ext>
+                  </a:extLst>
+                </p14:cNvPr>
+                <p14:cNvContentPartPr/>
+                <p14:nvPr/>
+              </p14:nvContentPartPr>
+              <p14:xfrm>
+                <a:off x="6213624" y="2138443"/>
+                <a:ext cx="1327680" cy="1489680"/>
+              </p14:xfrm>
+            </p:contentPart>
+          </mc:Choice>
+          <mc:Fallback>
+            <p:pic>
+              <p:nvPicPr>
+                <p:cNvPr id="8" name="Ink 7">
+                  <a:extLst>
+                    <a:ext uri="{FF2B5EF4-FFF2-40B4-BE49-F238E27FC236}">
+                      <a16:creationId xmlns:a16="http://schemas.microsoft.com/office/drawing/2014/main" id="{74196067-C853-2768-7BE1-37F0C8B6A90F}"/>
+                    </a:ext>
+                  </a:extLst>
+                </p:cNvPr>
+                <p:cNvPicPr/>
+                <p:nvPr/>
+              </p:nvPicPr>
+              <p:blipFill>
+                <a:blip r:embed="rId8"/>
+                <a:stretch>
+                  <a:fillRect/>
+                </a:stretch>
+              </p:blipFill>
+              <p:spPr>
+                <a:xfrm>
+                  <a:off x="6175464" y="2100274"/>
+                  <a:ext cx="1403640" cy="1565658"/>
+                </a:xfrm>
+                <a:prstGeom prst="rect">
+                  <a:avLst/>
+                </a:prstGeom>
+              </p:spPr>
+            </p:pic>
+          </mc:Fallback>
+        </mc:AlternateContent>
+        <mc:AlternateContent xmlns:mc="http://schemas.openxmlformats.org/markup-compatibility/2006">
+          <mc:Choice xmlns:p14="http://schemas.microsoft.com/office/powerpoint/2010/main" Requires="p14">
+            <p:contentPart p14:bwMode="auto" r:id="rId9">
+              <p14:nvContentPartPr>
+                <p14:cNvPr id="9" name="Ink 8">
+                  <a:extLst>
+                    <a:ext uri="{FF2B5EF4-FFF2-40B4-BE49-F238E27FC236}">
+                      <a16:creationId xmlns:a16="http://schemas.microsoft.com/office/drawing/2014/main" id="{B2E87203-BD8D-F059-41B9-44831B921318}"/>
+                    </a:ext>
+                  </a:extLst>
+                </p14:cNvPr>
+                <p14:cNvContentPartPr/>
+                <p14:nvPr/>
+              </p14:nvContentPartPr>
+              <p14:xfrm>
+                <a:off x="6144144" y="3440563"/>
+                <a:ext cx="353880" cy="375480"/>
+              </p14:xfrm>
+            </p:contentPart>
+          </mc:Choice>
+          <mc:Fallback>
+            <p:pic>
+              <p:nvPicPr>
+                <p:cNvPr id="9" name="Ink 8">
+                  <a:extLst>
+                    <a:ext uri="{FF2B5EF4-FFF2-40B4-BE49-F238E27FC236}">
+                      <a16:creationId xmlns:a16="http://schemas.microsoft.com/office/drawing/2014/main" id="{B2E87203-BD8D-F059-41B9-44831B921318}"/>
+                    </a:ext>
+                  </a:extLst>
+                </p:cNvPr>
+                <p:cNvPicPr/>
+                <p:nvPr/>
+              </p:nvPicPr>
+              <p:blipFill>
+                <a:blip r:embed="rId10"/>
+                <a:stretch>
+                  <a:fillRect/>
+                </a:stretch>
+              </p:blipFill>
+              <p:spPr>
+                <a:xfrm>
+                  <a:off x="6106023" y="3402403"/>
+                  <a:ext cx="429763" cy="451440"/>
+                </a:xfrm>
+                <a:prstGeom prst="rect">
+                  <a:avLst/>
+                </a:prstGeom>
+              </p:spPr>
+            </p:pic>
+          </mc:Fallback>
+        </mc:AlternateContent>
+        <mc:AlternateContent xmlns:mc="http://schemas.openxmlformats.org/markup-compatibility/2006">
+          <mc:Choice xmlns:p14="http://schemas.microsoft.com/office/powerpoint/2010/main" Requires="p14">
+            <p:contentPart p14:bwMode="auto" r:id="rId11">
+              <p14:nvContentPartPr>
+                <p14:cNvPr id="17" name="Ink 16">
+                  <a:extLst>
+                    <a:ext uri="{FF2B5EF4-FFF2-40B4-BE49-F238E27FC236}">
+                      <a16:creationId xmlns:a16="http://schemas.microsoft.com/office/drawing/2014/main" id="{AC71D2F8-0CEF-CEBF-4785-F4D0B11A380E}"/>
+                    </a:ext>
+                  </a:extLst>
+                </p14:cNvPr>
+                <p14:cNvContentPartPr/>
+                <p14:nvPr/>
+              </p14:nvContentPartPr>
+              <p14:xfrm>
+                <a:off x="1416264" y="3435883"/>
+                <a:ext cx="3101400" cy="2523600"/>
+              </p14:xfrm>
+            </p:contentPart>
+          </mc:Choice>
+          <mc:Fallback>
+            <p:pic>
+              <p:nvPicPr>
+                <p:cNvPr id="17" name="Ink 16">
+                  <a:extLst>
+                    <a:ext uri="{FF2B5EF4-FFF2-40B4-BE49-F238E27FC236}">
+                      <a16:creationId xmlns:a16="http://schemas.microsoft.com/office/drawing/2014/main" id="{AC71D2F8-0CEF-CEBF-4785-F4D0B11A380E}"/>
+                    </a:ext>
+                  </a:extLst>
+                </p:cNvPr>
+                <p:cNvPicPr/>
+                <p:nvPr/>
+              </p:nvPicPr>
+              <p:blipFill>
+                <a:blip r:embed="rId12"/>
+                <a:stretch>
+                  <a:fillRect/>
+                </a:stretch>
+              </p:blipFill>
+              <p:spPr>
+                <a:xfrm>
+                  <a:off x="1378104" y="3397723"/>
+                  <a:ext cx="3177360" cy="2599560"/>
+                </a:xfrm>
+                <a:prstGeom prst="rect">
+                  <a:avLst/>
+                </a:prstGeom>
+              </p:spPr>
+            </p:pic>
+          </mc:Fallback>
+        </mc:AlternateContent>
+      </p:grpSp>
+      <mc:AlternateContent xmlns:mc="http://schemas.openxmlformats.org/markup-compatibility/2006">
+        <mc:Choice xmlns:p14="http://schemas.microsoft.com/office/powerpoint/2010/main" Requires="p14">
+          <p:contentPart p14:bwMode="auto" r:id="rId13">
+            <p14:nvContentPartPr>
+              <p14:cNvPr id="21" name="Ink 20">
+                <a:extLst>
+                  <a:ext uri="{FF2B5EF4-FFF2-40B4-BE49-F238E27FC236}">
+                    <a16:creationId xmlns:a16="http://schemas.microsoft.com/office/drawing/2014/main" id="{66316F02-0953-8068-51B1-BB3526343F7D}"/>
+                  </a:ext>
+                </a:extLst>
+              </p14:cNvPr>
+              <p14:cNvContentPartPr/>
+              <p14:nvPr/>
+            </p14:nvContentPartPr>
+            <p14:xfrm>
+              <a:off x="2245704" y="3680683"/>
+              <a:ext cx="412200" cy="408240"/>
+            </p14:xfrm>
+          </p:contentPart>
+        </mc:Choice>
+        <mc:Fallback>
+          <p:pic>
+            <p:nvPicPr>
+              <p:cNvPr id="21" name="Ink 20">
+                <a:extLst>
+                  <a:ext uri="{FF2B5EF4-FFF2-40B4-BE49-F238E27FC236}">
+                    <a16:creationId xmlns:a16="http://schemas.microsoft.com/office/drawing/2014/main" id="{66316F02-0953-8068-51B1-BB3526343F7D}"/>
+                  </a:ext>
+                </a:extLst>
+              </p:cNvPr>
+              <p:cNvPicPr/>
+              <p:nvPr/>
+            </p:nvPicPr>
+            <p:blipFill>
+              <a:blip r:embed="rId14"/>
+              <a:stretch>
+                <a:fillRect/>
+              </a:stretch>
+            </p:blipFill>
+            <p:spPr>
+              <a:xfrm>
+                <a:off x="2207511" y="3642557"/>
+                <a:ext cx="488226" cy="484133"/>
+              </a:xfrm>
+              <a:prstGeom prst="rect">
+                <a:avLst/>
+              </a:prstGeom>
+            </p:spPr>
+          </p:pic>
+        </mc:Fallback>
+      </mc:AlternateContent>
+      <p:pic>
+        <p:nvPicPr>
+          <p:cNvPr id="4" name="Picture 3" descr="A picture containing toy, doll, vector graphics&#10;&#10;Description automatically generated">
+            <a:extLst>
+              <a:ext uri="{FF2B5EF4-FFF2-40B4-BE49-F238E27FC236}">
+                <a16:creationId xmlns:a16="http://schemas.microsoft.com/office/drawing/2014/main" id="{9F523C48-B04C-A251-D755-07ECF447679B}"/>
+              </a:ext>
+            </a:extLst>
+          </p:cNvPr>
+          <p:cNvPicPr>
+            <a:picLocks noChangeAspect="1"/>
+          </p:cNvPicPr>
+          <p:nvPr/>
+        </p:nvPicPr>
+        <p:blipFill>
+          <a:blip r:embed="rId15">
+            <a:extLst>
+              <a:ext uri="{28A0092B-C50C-407E-A947-70E740481C1C}">
+                <a14:useLocalDpi xmlns:a14="http://schemas.microsoft.com/office/drawing/2010/main" val="0"/>
+              </a:ext>
+            </a:extLst>
+          </a:blip>
+          <a:stretch>
+            <a:fillRect/>
+          </a:stretch>
+        </p:blipFill>
+        <p:spPr>
+          <a:xfrm>
+            <a:off x="-289745" y="4088923"/>
+            <a:ext cx="2286000" cy="2286000"/>
+          </a:xfrm>
+          <a:prstGeom prst="rect">
+            <a:avLst/>
+          </a:prstGeom>
+        </p:spPr>
+      </p:pic>
+      <p:sp>
+        <p:nvSpPr>
+          <p:cNvPr id="10" name="TextBox 9">
+            <a:extLst>
+              <a:ext uri="{FF2B5EF4-FFF2-40B4-BE49-F238E27FC236}">
+                <a16:creationId xmlns:a16="http://schemas.microsoft.com/office/drawing/2014/main" id="{F31FE20B-DB82-23E5-5861-2CFC655AC691}"/>
+              </a:ext>
+            </a:extLst>
+          </p:cNvPr>
+          <p:cNvSpPr txBox="1"/>
+          <p:nvPr/>
+        </p:nvSpPr>
+        <p:spPr>
+          <a:xfrm>
+            <a:off x="132242" y="2927767"/>
+            <a:ext cx="1504725" cy="1200329"/>
+          </a:xfrm>
+          <a:prstGeom prst="rect">
+            <a:avLst/>
+          </a:prstGeom>
+          <a:noFill/>
+        </p:spPr>
+        <p:txBody>
+          <a:bodyPr wrap="square" rtlCol="0">
+            <a:spAutoFit/>
+          </a:bodyPr>
+          <a:lstStyle/>
+          <a:p>
+            <a:pPr algn="ctr"/>
+            <a:r>
+              <a:rPr lang="en-US" dirty="0"/>
+              <a:t>Other browsers and users</a:t>
+            </a:r>
+          </a:p>
+        </p:txBody>
+      </p:sp>
+    </p:spTree>
+    <p:extLst>
+      <p:ext uri="{BB962C8B-B14F-4D97-AF65-F5344CB8AC3E}">
+        <p14:creationId xmlns:p14="http://schemas.microsoft.com/office/powerpoint/2010/main" val="3935733389"/>
+      </p:ext>
+    </p:extLst>
+  </p:cSld>
+  <p:clrMapOvr>
+    <a:masterClrMapping/>
+  </p:clrMapOvr>
+</p:sld>
+</file>
+
+<file path=ppt/slides/slide7.xml><?xml version="1.0" encoding="utf-8"?>
+<p:sld xmlns:a="http://schemas.openxmlformats.org/drawingml/2006/main" xmlns:r="http://schemas.openxmlformats.org/officeDocument/2006/relationships" xmlns:p="http://schemas.openxmlformats.org/presentationml/2006/main">
+  <p:cSld>
+    <p:spTree>
+      <p:nvGrpSpPr>
+        <p:cNvPr id="1" name=""/>
+        <p:cNvGrpSpPr/>
+        <p:nvPr/>
+      </p:nvGrpSpPr>
+      <p:grpSpPr>
+        <a:xfrm>
+          <a:off x="0" y="0"/>
+          <a:ext cx="0" cy="0"/>
+          <a:chOff x="0" y="0"/>
+          <a:chExt cx="0" cy="0"/>
+        </a:xfrm>
+      </p:grpSpPr>
+      <p:sp>
+        <p:nvSpPr>
           <p:cNvPr id="5122" name="Rectangle 2">
             <a:extLst>
               <a:ext uri="{FF2B5EF4-FFF2-40B4-BE49-F238E27FC236}">
@@ -8729,7 +9733,7 @@
 </p:sld>
 </file>
 
-<file path=ppt/slides/slide7.xml><?xml version="1.0" encoding="utf-8"?>
+<file path=ppt/slides/slide8.xml><?xml version="1.0" encoding="utf-8"?>
 <p:sld xmlns:a="http://schemas.openxmlformats.org/drawingml/2006/main" xmlns:r="http://schemas.openxmlformats.org/officeDocument/2006/relationships" xmlns:p="http://schemas.openxmlformats.org/presentationml/2006/main">
   <p:cSld>
     <p:spTree>
@@ -8856,7 +9860,7 @@
 </p:sld>
 </file>
 
-<file path=ppt/slides/slide8.xml><?xml version="1.0" encoding="utf-8"?>
+<file path=ppt/slides/slide9.xml><?xml version="1.0" encoding="utf-8"?>
 <p:sld xmlns:a="http://schemas.openxmlformats.org/drawingml/2006/main" xmlns:r="http://schemas.openxmlformats.org/officeDocument/2006/relationships" xmlns:p="http://schemas.openxmlformats.org/presentationml/2006/main">
   <p:cSld>
     <p:spTree>
@@ -8980,157 +9984,6 @@
     <p:extLst>
       <p:ext uri="{BB962C8B-B14F-4D97-AF65-F5344CB8AC3E}">
         <p14:creationId xmlns:p14="http://schemas.microsoft.com/office/powerpoint/2010/main" val="2061089144"/>
-      </p:ext>
-    </p:extLst>
-  </p:cSld>
-  <p:clrMapOvr>
-    <a:masterClrMapping/>
-  </p:clrMapOvr>
-</p:sld>
-</file>
-
-<file path=ppt/slides/slide9.xml><?xml version="1.0" encoding="utf-8"?>
-<p:sld xmlns:a="http://schemas.openxmlformats.org/drawingml/2006/main" xmlns:r="http://schemas.openxmlformats.org/officeDocument/2006/relationships" xmlns:p="http://schemas.openxmlformats.org/presentationml/2006/main">
-  <p:cSld>
-    <p:spTree>
-      <p:nvGrpSpPr>
-        <p:cNvPr id="1" name=""/>
-        <p:cNvGrpSpPr/>
-        <p:nvPr/>
-      </p:nvGrpSpPr>
-      <p:grpSpPr>
-        <a:xfrm>
-          <a:off x="0" y="0"/>
-          <a:ext cx="0" cy="0"/>
-          <a:chOff x="0" y="0"/>
-          <a:chExt cx="0" cy="0"/>
-        </a:xfrm>
-      </p:grpSpPr>
-      <p:sp>
-        <p:nvSpPr>
-          <p:cNvPr id="5122" name="Rectangle 2">
-            <a:extLst>
-              <a:ext uri="{FF2B5EF4-FFF2-40B4-BE49-F238E27FC236}">
-                <a16:creationId xmlns:a16="http://schemas.microsoft.com/office/drawing/2014/main" id="{F57B15E3-A41D-7948-0571-46BEEBC8ABA6}"/>
-              </a:ext>
-            </a:extLst>
-          </p:cNvPr>
-          <p:cNvSpPr>
-            <a:spLocks noGrp="1" noChangeArrowheads="1"/>
-          </p:cNvSpPr>
-          <p:nvPr>
-            <p:ph type="title"/>
-          </p:nvPr>
-        </p:nvSpPr>
-        <p:spPr>
-          <a:noFill/>
-          <a:ln/>
-        </p:spPr>
-        <p:txBody>
-          <a:bodyPr/>
-          <a:lstStyle/>
-          <a:p>
-            <a:r>
-              <a:rPr lang="en-US" altLang="en-US" dirty="0"/>
-              <a:t>Choices</a:t>
-            </a:r>
-          </a:p>
-        </p:txBody>
-      </p:sp>
-      <p:sp>
-        <p:nvSpPr>
-          <p:cNvPr id="5123" name="Rectangle 3">
-            <a:extLst>
-              <a:ext uri="{FF2B5EF4-FFF2-40B4-BE49-F238E27FC236}">
-                <a16:creationId xmlns:a16="http://schemas.microsoft.com/office/drawing/2014/main" id="{0B39479C-35C9-0DB2-E4C3-AC31C50417EF}"/>
-              </a:ext>
-            </a:extLst>
-          </p:cNvPr>
-          <p:cNvSpPr>
-            <a:spLocks noGrp="1" noChangeArrowheads="1"/>
-          </p:cNvSpPr>
-          <p:nvPr>
-            <p:ph type="body" idx="1"/>
-          </p:nvPr>
-        </p:nvSpPr>
-        <p:spPr>
-          <a:xfrm>
-            <a:off x="2074666" y="1676400"/>
-            <a:ext cx="6396361" cy="635430"/>
-          </a:xfrm>
-          <a:noFill/>
-          <a:ln/>
-        </p:spPr>
-        <p:txBody>
-          <a:bodyPr/>
-          <a:lstStyle/>
-          <a:p>
-            <a:r>
-              <a:rPr lang="en-US" altLang="en-US" sz="2800" dirty="0"/>
-              <a:t>Browser languages: CSS/JS/HTML</a:t>
-            </a:r>
-          </a:p>
-          <a:p>
-            <a:r>
-              <a:rPr lang="en-US" altLang="en-US" sz="2800" dirty="0"/>
-              <a:t>Front-end frameworks: React, Vue, Angular, jQuery used to be huge</a:t>
-            </a:r>
-          </a:p>
-          <a:p>
-            <a:r>
-              <a:rPr lang="en-US" altLang="en-US" sz="2800" dirty="0"/>
-              <a:t>Back-end frameworks:</a:t>
-            </a:r>
-          </a:p>
-          <a:p>
-            <a:pPr lvl="1"/>
-            <a:r>
-              <a:rPr lang="en-US" altLang="en-US" sz="2400" dirty="0"/>
-              <a:t>Python: Django, Flask, Tornado</a:t>
-            </a:r>
-          </a:p>
-          <a:p>
-            <a:pPr lvl="1"/>
-            <a:r>
-              <a:rPr lang="en-US" altLang="en-US" sz="2400" dirty="0"/>
-              <a:t>PHP: Laravel, Symfony, CodeIgniter</a:t>
-            </a:r>
-          </a:p>
-          <a:p>
-            <a:pPr lvl="1"/>
-            <a:r>
-              <a:rPr lang="en-US" altLang="en-US" sz="2400" dirty="0"/>
-              <a:t>Node.js: Express, </a:t>
-            </a:r>
-            <a:r>
-              <a:rPr lang="en-US" altLang="en-US" sz="2400" dirty="0" err="1"/>
-              <a:t>Fastify</a:t>
-            </a:r>
-            <a:r>
-              <a:rPr lang="en-US" altLang="en-US" sz="2400" dirty="0"/>
-              <a:t>, Koa</a:t>
-            </a:r>
-          </a:p>
-          <a:p>
-            <a:pPr lvl="1"/>
-            <a:r>
-              <a:rPr lang="en-US" altLang="en-US" sz="2400" dirty="0"/>
-              <a:t>plus infinity more for every language you can think of</a:t>
-            </a:r>
-          </a:p>
-          <a:p>
-            <a:pPr lvl="1"/>
-            <a:r>
-              <a:rPr lang="en-US" altLang="en-US" sz="2400" dirty="0"/>
-              <a:t>also: you need other external programs like databases or video encoders sometimes</a:t>
-            </a:r>
-          </a:p>
-        </p:txBody>
-      </p:sp>
-    </p:spTree>
-    <p:extLst>
-      <p:ext uri="{BB962C8B-B14F-4D97-AF65-F5344CB8AC3E}">
-        <p14:creationId xmlns:p14="http://schemas.microsoft.com/office/powerpoint/2010/main" val="2944425316"/>
       </p:ext>
     </p:extLst>
   </p:cSld>
